--- a/slides/04-eda-pt2.pptx
+++ b/slides/04-eda-pt2.pptx
@@ -5,7 +5,7 @@
     <p:sldMasterId id="2147483852" r:id="rId1"/>
   </p:sldMasterIdLst>
   <p:notesMasterIdLst>
-    <p:notesMasterId r:id="rId34"/>
+    <p:notesMasterId r:id="rId36"/>
   </p:notesMasterIdLst>
   <p:sldIdLst>
     <p:sldId id="256" r:id="rId2"/>
@@ -24,22 +24,24 @@
     <p:sldId id="455" r:id="rId15"/>
     <p:sldId id="456" r:id="rId16"/>
     <p:sldId id="457" r:id="rId17"/>
-    <p:sldId id="458" r:id="rId18"/>
-    <p:sldId id="460" r:id="rId19"/>
-    <p:sldId id="459" r:id="rId20"/>
-    <p:sldId id="461" r:id="rId21"/>
-    <p:sldId id="462" r:id="rId22"/>
-    <p:sldId id="463" r:id="rId23"/>
-    <p:sldId id="466" r:id="rId24"/>
-    <p:sldId id="464" r:id="rId25"/>
-    <p:sldId id="465" r:id="rId26"/>
-    <p:sldId id="467" r:id="rId27"/>
-    <p:sldId id="468" r:id="rId28"/>
-    <p:sldId id="469" r:id="rId29"/>
-    <p:sldId id="470" r:id="rId30"/>
-    <p:sldId id="471" r:id="rId31"/>
-    <p:sldId id="472" r:id="rId32"/>
-    <p:sldId id="473" r:id="rId33"/>
+    <p:sldId id="474" r:id="rId18"/>
+    <p:sldId id="458" r:id="rId19"/>
+    <p:sldId id="460" r:id="rId20"/>
+    <p:sldId id="459" r:id="rId21"/>
+    <p:sldId id="461" r:id="rId22"/>
+    <p:sldId id="462" r:id="rId23"/>
+    <p:sldId id="463" r:id="rId24"/>
+    <p:sldId id="466" r:id="rId25"/>
+    <p:sldId id="464" r:id="rId26"/>
+    <p:sldId id="465" r:id="rId27"/>
+    <p:sldId id="467" r:id="rId28"/>
+    <p:sldId id="468" r:id="rId29"/>
+    <p:sldId id="469" r:id="rId30"/>
+    <p:sldId id="470" r:id="rId31"/>
+    <p:sldId id="471" r:id="rId32"/>
+    <p:sldId id="472" r:id="rId33"/>
+    <p:sldId id="473" r:id="rId34"/>
+    <p:sldId id="475" r:id="rId35"/>
   </p:sldIdLst>
   <p:sldSz cx="12192000" cy="6858000"/>
   <p:notesSz cx="6858000" cy="9144000"/>
@@ -228,7 +230,7 @@
           <a:p>
             <a:fld id="{3CBB8A52-8AC5-C74C-97FB-632C448F3674}" type="datetimeFigureOut">
               <a:rPr lang="en-US" smtClean="0"/>
-              <a:t>1/24/24</a:t>
+              <a:t>1/30/24</a:t>
             </a:fld>
             <a:endParaRPr lang="en-US"/>
           </a:p>
@@ -896,7 +898,7 @@
           <a:p>
             <a:fld id="{E666506D-5C9B-294C-B2AE-15ACE8B5B9F7}" type="slidenum">
               <a:rPr lang="en-US" smtClean="0"/>
-              <a:t>17</a:t>
+              <a:t>18</a:t>
             </a:fld>
             <a:endParaRPr lang="en-US"/>
           </a:p>
@@ -980,7 +982,7 @@
           <a:p>
             <a:fld id="{E666506D-5C9B-294C-B2AE-15ACE8B5B9F7}" type="slidenum">
               <a:rPr lang="en-US" smtClean="0"/>
-              <a:t>19</a:t>
+              <a:t>20</a:t>
             </a:fld>
             <a:endParaRPr lang="en-US"/>
           </a:p>
@@ -1064,7 +1066,7 @@
           <a:p>
             <a:fld id="{E666506D-5C9B-294C-B2AE-15ACE8B5B9F7}" type="slidenum">
               <a:rPr lang="en-US" smtClean="0"/>
-              <a:t>20</a:t>
+              <a:t>21</a:t>
             </a:fld>
             <a:endParaRPr lang="en-US"/>
           </a:p>
@@ -1148,7 +1150,7 @@
           <a:p>
             <a:fld id="{E666506D-5C9B-294C-B2AE-15ACE8B5B9F7}" type="slidenum">
               <a:rPr lang="en-US" smtClean="0"/>
-              <a:t>21</a:t>
+              <a:t>22</a:t>
             </a:fld>
             <a:endParaRPr lang="en-US"/>
           </a:p>
@@ -1232,7 +1234,7 @@
           <a:p>
             <a:fld id="{E666506D-5C9B-294C-B2AE-15ACE8B5B9F7}" type="slidenum">
               <a:rPr lang="en-US" smtClean="0"/>
-              <a:t>22</a:t>
+              <a:t>23</a:t>
             </a:fld>
             <a:endParaRPr lang="en-US"/>
           </a:p>
@@ -1316,7 +1318,7 @@
           <a:p>
             <a:fld id="{E666506D-5C9B-294C-B2AE-15ACE8B5B9F7}" type="slidenum">
               <a:rPr lang="en-US" smtClean="0"/>
-              <a:t>23</a:t>
+              <a:t>24</a:t>
             </a:fld>
             <a:endParaRPr lang="en-US"/>
           </a:p>
@@ -1400,7 +1402,7 @@
           <a:p>
             <a:fld id="{E666506D-5C9B-294C-B2AE-15ACE8B5B9F7}" type="slidenum">
               <a:rPr lang="en-US" smtClean="0"/>
-              <a:t>24</a:t>
+              <a:t>25</a:t>
             </a:fld>
             <a:endParaRPr lang="en-US"/>
           </a:p>
@@ -1568,7 +1570,7 @@
           <a:p>
             <a:fld id="{E666506D-5C9B-294C-B2AE-15ACE8B5B9F7}" type="slidenum">
               <a:rPr lang="en-US" smtClean="0"/>
-              <a:t>25</a:t>
+              <a:t>26</a:t>
             </a:fld>
             <a:endParaRPr lang="en-US"/>
           </a:p>
@@ -1652,7 +1654,7 @@
           <a:p>
             <a:fld id="{E666506D-5C9B-294C-B2AE-15ACE8B5B9F7}" type="slidenum">
               <a:rPr lang="en-US" smtClean="0"/>
-              <a:t>27</a:t>
+              <a:t>28</a:t>
             </a:fld>
             <a:endParaRPr lang="en-US"/>
           </a:p>
@@ -1736,7 +1738,7 @@
           <a:p>
             <a:fld id="{E666506D-5C9B-294C-B2AE-15ACE8B5B9F7}" type="slidenum">
               <a:rPr lang="en-US" smtClean="0"/>
-              <a:t>28</a:t>
+              <a:t>29</a:t>
             </a:fld>
             <a:endParaRPr lang="en-US"/>
           </a:p>
@@ -1820,7 +1822,7 @@
           <a:p>
             <a:fld id="{E666506D-5C9B-294C-B2AE-15ACE8B5B9F7}" type="slidenum">
               <a:rPr lang="en-US" smtClean="0"/>
-              <a:t>29</a:t>
+              <a:t>30</a:t>
             </a:fld>
             <a:endParaRPr lang="en-US"/>
           </a:p>
@@ -1904,7 +1906,7 @@
           <a:p>
             <a:fld id="{E666506D-5C9B-294C-B2AE-15ACE8B5B9F7}" type="slidenum">
               <a:rPr lang="en-US" smtClean="0"/>
-              <a:t>30</a:t>
+              <a:t>31</a:t>
             </a:fld>
             <a:endParaRPr lang="en-US"/>
           </a:p>
@@ -1988,7 +1990,7 @@
           <a:p>
             <a:fld id="{E666506D-5C9B-294C-B2AE-15ACE8B5B9F7}" type="slidenum">
               <a:rPr lang="en-US" smtClean="0"/>
-              <a:t>31</a:t>
+              <a:t>32</a:t>
             </a:fld>
             <a:endParaRPr lang="en-US"/>
           </a:p>
@@ -2072,7 +2074,7 @@
           <a:p>
             <a:fld id="{E666506D-5C9B-294C-B2AE-15ACE8B5B9F7}" type="slidenum">
               <a:rPr lang="en-US" smtClean="0"/>
-              <a:t>32</a:t>
+              <a:t>33</a:t>
             </a:fld>
             <a:endParaRPr lang="en-US"/>
           </a:p>
@@ -2082,6 +2084,90 @@
     <p:extLst>
       <p:ext uri="{BB962C8B-B14F-4D97-AF65-F5344CB8AC3E}">
         <p14:creationId xmlns:p14="http://schemas.microsoft.com/office/powerpoint/2010/main" val="1063768195"/>
+      </p:ext>
+    </p:extLst>
+  </p:cSld>
+  <p:clrMapOvr>
+    <a:masterClrMapping/>
+  </p:clrMapOvr>
+</p:notes>
+</file>
+
+<file path=ppt/notesSlides/notesSlide27.xml><?xml version="1.0" encoding="utf-8"?>
+<p:notes xmlns:a="http://schemas.openxmlformats.org/drawingml/2006/main" xmlns:r="http://schemas.openxmlformats.org/officeDocument/2006/relationships" xmlns:p="http://schemas.openxmlformats.org/presentationml/2006/main">
+  <p:cSld>
+    <p:spTree>
+      <p:nvGrpSpPr>
+        <p:cNvPr id="1" name=""/>
+        <p:cNvGrpSpPr/>
+        <p:nvPr/>
+      </p:nvGrpSpPr>
+      <p:grpSpPr>
+        <a:xfrm>
+          <a:off x="0" y="0"/>
+          <a:ext cx="0" cy="0"/>
+          <a:chOff x="0" y="0"/>
+          <a:chExt cx="0" cy="0"/>
+        </a:xfrm>
+      </p:grpSpPr>
+      <p:sp>
+        <p:nvSpPr>
+          <p:cNvPr id="2" name="Slide Image Placeholder 1"/>
+          <p:cNvSpPr>
+            <a:spLocks noGrp="1" noRot="1" noChangeAspect="1"/>
+          </p:cNvSpPr>
+          <p:nvPr>
+            <p:ph type="sldImg"/>
+          </p:nvPr>
+        </p:nvSpPr>
+        <p:spPr/>
+      </p:sp>
+      <p:sp>
+        <p:nvSpPr>
+          <p:cNvPr id="3" name="Notes Placeholder 2"/>
+          <p:cNvSpPr>
+            <a:spLocks noGrp="1"/>
+          </p:cNvSpPr>
+          <p:nvPr>
+            <p:ph type="body" idx="1"/>
+          </p:nvPr>
+        </p:nvSpPr>
+        <p:spPr/>
+        <p:txBody>
+          <a:bodyPr/>
+          <a:lstStyle/>
+          <a:p>
+            <a:endParaRPr lang="en-US" dirty="0"/>
+          </a:p>
+        </p:txBody>
+      </p:sp>
+      <p:sp>
+        <p:nvSpPr>
+          <p:cNvPr id="4" name="Slide Number Placeholder 3"/>
+          <p:cNvSpPr>
+            <a:spLocks noGrp="1"/>
+          </p:cNvSpPr>
+          <p:nvPr>
+            <p:ph type="sldNum" sz="quarter" idx="5"/>
+          </p:nvPr>
+        </p:nvSpPr>
+        <p:spPr/>
+        <p:txBody>
+          <a:bodyPr/>
+          <a:lstStyle/>
+          <a:p>
+            <a:fld id="{E666506D-5C9B-294C-B2AE-15ACE8B5B9F7}" type="slidenum">
+              <a:rPr lang="en-US" smtClean="0"/>
+              <a:t>34</a:t>
+            </a:fld>
+            <a:endParaRPr lang="en-US"/>
+          </a:p>
+        </p:txBody>
+      </p:sp>
+    </p:spTree>
+    <p:extLst>
+      <p:ext uri="{BB962C8B-B14F-4D97-AF65-F5344CB8AC3E}">
+        <p14:creationId xmlns:p14="http://schemas.microsoft.com/office/powerpoint/2010/main" val="3139858923"/>
       </p:ext>
     </p:extLst>
   </p:cSld>
@@ -2904,7 +2990,7 @@
             <a:fld id="{5586B75A-687E-405C-8A0B-8D00578BA2C3}" type="datetimeFigureOut">
               <a:rPr lang="en-US" smtClean="0"/>
               <a:pPr/>
-              <a:t>1/24/24</a:t>
+              <a:t>1/30/24</a:t>
             </a:fld>
             <a:endParaRPr lang="en-US" dirty="0"/>
           </a:p>
@@ -3076,7 +3162,7 @@
             <a:fld id="{5586B75A-687E-405C-8A0B-8D00578BA2C3}" type="datetimeFigureOut">
               <a:rPr lang="en-US" smtClean="0"/>
               <a:pPr/>
-              <a:t>1/24/24</a:t>
+              <a:t>1/30/24</a:t>
             </a:fld>
             <a:endParaRPr lang="en-US" dirty="0"/>
           </a:p>
@@ -3258,7 +3344,7 @@
             <a:fld id="{5586B75A-687E-405C-8A0B-8D00578BA2C3}" type="datetimeFigureOut">
               <a:rPr lang="en-US" smtClean="0"/>
               <a:pPr/>
-              <a:t>1/24/24</a:t>
+              <a:t>1/30/24</a:t>
             </a:fld>
             <a:endParaRPr lang="en-US" dirty="0"/>
           </a:p>
@@ -3430,7 +3516,7 @@
             <a:fld id="{5586B75A-687E-405C-8A0B-8D00578BA2C3}" type="datetimeFigureOut">
               <a:rPr lang="en-US" smtClean="0"/>
               <a:pPr/>
-              <a:t>1/24/24</a:t>
+              <a:t>1/30/24</a:t>
             </a:fld>
             <a:endParaRPr lang="en-US" dirty="0"/>
           </a:p>
@@ -3686,7 +3772,7 @@
             <a:fld id="{5586B75A-687E-405C-8A0B-8D00578BA2C3}" type="datetimeFigureOut">
               <a:rPr lang="en-US" smtClean="0"/>
               <a:pPr/>
-              <a:t>1/24/24</a:t>
+              <a:t>1/30/24</a:t>
             </a:fld>
             <a:endParaRPr lang="en-US" dirty="0"/>
           </a:p>
@@ -3976,7 +4062,7 @@
             <a:fld id="{5586B75A-687E-405C-8A0B-8D00578BA2C3}" type="datetimeFigureOut">
               <a:rPr lang="en-US" smtClean="0"/>
               <a:pPr/>
-              <a:t>1/24/24</a:t>
+              <a:t>1/30/24</a:t>
             </a:fld>
             <a:endParaRPr lang="en-US" dirty="0"/>
           </a:p>
@@ -4420,7 +4506,7 @@
             <a:fld id="{5586B75A-687E-405C-8A0B-8D00578BA2C3}" type="datetimeFigureOut">
               <a:rPr lang="en-US" smtClean="0"/>
               <a:pPr/>
-              <a:t>1/24/24</a:t>
+              <a:t>1/30/24</a:t>
             </a:fld>
             <a:endParaRPr lang="en-US" dirty="0"/>
           </a:p>
@@ -4540,7 +4626,7 @@
             <a:fld id="{5586B75A-687E-405C-8A0B-8D00578BA2C3}" type="datetimeFigureOut">
               <a:rPr lang="en-US" smtClean="0"/>
               <a:pPr/>
-              <a:t>1/24/24</a:t>
+              <a:t>1/30/24</a:t>
             </a:fld>
             <a:endParaRPr lang="en-US" dirty="0"/>
           </a:p>
@@ -4637,7 +4723,7 @@
             <a:fld id="{5586B75A-687E-405C-8A0B-8D00578BA2C3}" type="datetimeFigureOut">
               <a:rPr lang="en-US" smtClean="0"/>
               <a:pPr/>
-              <a:t>1/24/24</a:t>
+              <a:t>1/30/24</a:t>
             </a:fld>
             <a:endParaRPr lang="en-US" dirty="0"/>
           </a:p>
@@ -4927,7 +5013,7 @@
             <a:fld id="{5586B75A-687E-405C-8A0B-8D00578BA2C3}" type="datetimeFigureOut">
               <a:rPr lang="en-US" smtClean="0"/>
               <a:pPr/>
-              <a:t>1/24/24</a:t>
+              <a:t>1/30/24</a:t>
             </a:fld>
             <a:endParaRPr lang="en-US" dirty="0"/>
           </a:p>
@@ -5202,7 +5288,7 @@
             <a:fld id="{5586B75A-687E-405C-8A0B-8D00578BA2C3}" type="datetimeFigureOut">
               <a:rPr lang="en-US" smtClean="0"/>
               <a:pPr/>
-              <a:t>1/24/24</a:t>
+              <a:t>1/30/24</a:t>
             </a:fld>
             <a:endParaRPr lang="en-US" dirty="0"/>
           </a:p>
@@ -5501,7 +5587,7 @@
             <a:fld id="{5586B75A-687E-405C-8A0B-8D00578BA2C3}" type="datetimeFigureOut">
               <a:rPr lang="en-US" smtClean="0"/>
               <a:pPr/>
-              <a:t>1/24/24</a:t>
+              <a:t>1/30/24</a:t>
             </a:fld>
             <a:endParaRPr lang="en-US" dirty="0"/>
           </a:p>
@@ -24163,6 +24249,93 @@
           <p:cNvPr id="2" name="Title 1">
             <a:extLst>
               <a:ext uri="{FF2B5EF4-FFF2-40B4-BE49-F238E27FC236}">
+                <a16:creationId xmlns:a16="http://schemas.microsoft.com/office/drawing/2014/main" id="{D547D72C-5884-123E-2A30-A639039A26E8}"/>
+              </a:ext>
+            </a:extLst>
+          </p:cNvPr>
+          <p:cNvSpPr>
+            <a:spLocks noGrp="1"/>
+          </p:cNvSpPr>
+          <p:nvPr>
+            <p:ph type="title"/>
+          </p:nvPr>
+        </p:nvSpPr>
+        <p:spPr/>
+        <p:txBody>
+          <a:bodyPr/>
+          <a:lstStyle/>
+          <a:p>
+            <a:r>
+              <a:rPr lang="en-US" dirty="0"/>
+              <a:t>Start </a:t>
+            </a:r>
+            <a:r>
+              <a:rPr lang="en-US"/>
+              <a:t>here Tuesday</a:t>
+            </a:r>
+          </a:p>
+        </p:txBody>
+      </p:sp>
+      <p:sp>
+        <p:nvSpPr>
+          <p:cNvPr id="3" name="Text Placeholder 2">
+            <a:extLst>
+              <a:ext uri="{FF2B5EF4-FFF2-40B4-BE49-F238E27FC236}">
+                <a16:creationId xmlns:a16="http://schemas.microsoft.com/office/drawing/2014/main" id="{330B2551-A543-2390-B8C2-83C12A0C1958}"/>
+              </a:ext>
+            </a:extLst>
+          </p:cNvPr>
+          <p:cNvSpPr>
+            <a:spLocks noGrp="1"/>
+          </p:cNvSpPr>
+          <p:nvPr>
+            <p:ph type="body" idx="1"/>
+          </p:nvPr>
+        </p:nvSpPr>
+        <p:spPr/>
+        <p:txBody>
+          <a:bodyPr/>
+          <a:lstStyle/>
+          <a:p>
+            <a:endParaRPr lang="en-US"/>
+          </a:p>
+        </p:txBody>
+      </p:sp>
+    </p:spTree>
+    <p:extLst>
+      <p:ext uri="{BB962C8B-B14F-4D97-AF65-F5344CB8AC3E}">
+        <p14:creationId xmlns:p14="http://schemas.microsoft.com/office/powerpoint/2010/main" val="1983635772"/>
+      </p:ext>
+    </p:extLst>
+  </p:cSld>
+  <p:clrMapOvr>
+    <a:masterClrMapping/>
+  </p:clrMapOvr>
+</p:sld>
+</file>
+
+<file path=ppt/slides/slide18.xml><?xml version="1.0" encoding="utf-8"?>
+<p:sld xmlns:a="http://schemas.openxmlformats.org/drawingml/2006/main" xmlns:r="http://schemas.openxmlformats.org/officeDocument/2006/relationships" xmlns:p="http://schemas.openxmlformats.org/presentationml/2006/main">
+  <p:cSld>
+    <p:spTree>
+      <p:nvGrpSpPr>
+        <p:cNvPr id="1" name=""/>
+        <p:cNvGrpSpPr/>
+        <p:nvPr/>
+      </p:nvGrpSpPr>
+      <p:grpSpPr>
+        <a:xfrm>
+          <a:off x="0" y="0"/>
+          <a:ext cx="0" cy="0"/>
+          <a:chOff x="0" y="0"/>
+          <a:chExt cx="0" cy="0"/>
+        </a:xfrm>
+      </p:grpSpPr>
+      <p:sp>
+        <p:nvSpPr>
+          <p:cNvPr id="2" name="Title 1">
+            <a:extLst>
+              <a:ext uri="{FF2B5EF4-FFF2-40B4-BE49-F238E27FC236}">
                 <a16:creationId xmlns:a16="http://schemas.microsoft.com/office/drawing/2014/main" id="{10D330C2-52A4-1ABA-980B-56FBC97F350C}"/>
               </a:ext>
             </a:extLst>
@@ -27282,7 +27455,7 @@
             </a:r>
             <a:r>
               <a:rPr lang="en-US" sz="2000" dirty="0"/>
-              <a:t>Generate the contingency table that shows the distribution of greater than and less than 5 hours across activities. Then, calculate the </a:t>
+              <a:t>Generate the contingency table that shows the distribution of hours across activities. Then, calculate the </a:t>
             </a:r>
           </a:p>
           <a:p>
@@ -27321,7 +27494,7 @@
             </a:r>
             <a:r>
               <a:rPr lang="en-US" sz="2000" dirty="0"/>
-              <a:t>of more than 5 hours in the dataset </a:t>
+              <a:t>of high hours in the dataset </a:t>
             </a:r>
           </a:p>
           <a:p>
@@ -27339,7 +27512,7 @@
             </a:r>
             <a:r>
               <a:rPr lang="en-US" sz="2000" dirty="0"/>
-              <a:t>of Work and more than 5 hours</a:t>
+              <a:t>of Work and high hours</a:t>
             </a:r>
           </a:p>
           <a:p>
@@ -27357,7 +27530,7 @@
             </a:r>
             <a:r>
               <a:rPr lang="en-US" sz="2000" dirty="0"/>
-              <a:t>of more than 5 hours among Work  </a:t>
+              <a:t>of low hours among Work  </a:t>
             </a:r>
           </a:p>
         </p:txBody>
@@ -27788,7 +27961,7 @@
 </p:sld>
 </file>
 
-<file path=ppt/slides/slide18.xml><?xml version="1.0" encoding="utf-8"?>
+<file path=ppt/slides/slide19.xml><?xml version="1.0" encoding="utf-8"?>
 <p:sld xmlns:a="http://schemas.openxmlformats.org/drawingml/2006/main" xmlns:r="http://schemas.openxmlformats.org/officeDocument/2006/relationships" xmlns:p="http://schemas.openxmlformats.org/presentationml/2006/main">
   <p:cSld>
     <p:spTree>
@@ -27873,7 +28046,117 @@
 </p:sld>
 </file>
 
-<file path=ppt/slides/slide19.xml><?xml version="1.0" encoding="utf-8"?>
+<file path=ppt/slides/slide2.xml><?xml version="1.0" encoding="utf-8"?>
+<p:sld xmlns:a="http://schemas.openxmlformats.org/drawingml/2006/main" xmlns:r="http://schemas.openxmlformats.org/officeDocument/2006/relationships" xmlns:p="http://schemas.openxmlformats.org/presentationml/2006/main">
+  <p:cSld>
+    <p:spTree>
+      <p:nvGrpSpPr>
+        <p:cNvPr id="1" name=""/>
+        <p:cNvGrpSpPr/>
+        <p:nvPr/>
+      </p:nvGrpSpPr>
+      <p:grpSpPr>
+        <a:xfrm>
+          <a:off x="0" y="0"/>
+          <a:ext cx="0" cy="0"/>
+          <a:chOff x="0" y="0"/>
+          <a:chExt cx="0" cy="0"/>
+        </a:xfrm>
+      </p:grpSpPr>
+      <p:sp>
+        <p:nvSpPr>
+          <p:cNvPr id="2" name="Title 1">
+            <a:extLst>
+              <a:ext uri="{FF2B5EF4-FFF2-40B4-BE49-F238E27FC236}">
+                <a16:creationId xmlns:a16="http://schemas.microsoft.com/office/drawing/2014/main" id="{10D330C2-52A4-1ABA-980B-56FBC97F350C}"/>
+              </a:ext>
+            </a:extLst>
+          </p:cNvPr>
+          <p:cNvSpPr>
+            <a:spLocks noGrp="1"/>
+          </p:cNvSpPr>
+          <p:nvPr>
+            <p:ph type="title"/>
+          </p:nvPr>
+        </p:nvSpPr>
+        <p:spPr/>
+        <p:txBody>
+          <a:bodyPr/>
+          <a:lstStyle/>
+          <a:p>
+            <a:r>
+              <a:rPr lang="en-US" dirty="0"/>
+              <a:t>Reminder!</a:t>
+            </a:r>
+          </a:p>
+        </p:txBody>
+      </p:sp>
+      <p:sp>
+        <p:nvSpPr>
+          <p:cNvPr id="3" name="Content Placeholder 2">
+            <a:extLst>
+              <a:ext uri="{FF2B5EF4-FFF2-40B4-BE49-F238E27FC236}">
+                <a16:creationId xmlns:a16="http://schemas.microsoft.com/office/drawing/2014/main" id="{9EAE50F6-429C-715A-C25C-1C7744AED1CF}"/>
+              </a:ext>
+            </a:extLst>
+          </p:cNvPr>
+          <p:cNvSpPr>
+            <a:spLocks noGrp="1"/>
+          </p:cNvSpPr>
+          <p:nvPr>
+            <p:ph idx="1"/>
+          </p:nvPr>
+        </p:nvSpPr>
+        <p:spPr/>
+        <p:txBody>
+          <a:bodyPr>
+            <a:normAutofit/>
+          </a:bodyPr>
+          <a:lstStyle/>
+          <a:p>
+            <a:r>
+              <a:rPr lang="en-US" sz="2400" dirty="0"/>
+              <a:t>First quiz is out today! (On PLATO)</a:t>
+            </a:r>
+          </a:p>
+          <a:p>
+            <a:r>
+              <a:rPr lang="en-US" sz="2400" dirty="0"/>
+              <a:t>Quizzes and </a:t>
+            </a:r>
+            <a:r>
+              <a:rPr lang="en-US" sz="2400" dirty="0" err="1"/>
+              <a:t>homeworks</a:t>
+            </a:r>
+            <a:r>
+              <a:rPr lang="en-US" sz="2400" dirty="0"/>
+              <a:t> are </a:t>
+            </a:r>
+            <a:r>
+              <a:rPr lang="en-US" sz="2400" i="1" dirty="0"/>
+              <a:t>week long </a:t>
+            </a:r>
+            <a:r>
+              <a:rPr lang="en-US" sz="2400" dirty="0"/>
+              <a:t>assignments; expect to spend 5-7 hours on them (this is standard for a college class) </a:t>
+            </a:r>
+          </a:p>
+        </p:txBody>
+      </p:sp>
+    </p:spTree>
+    <p:extLst>
+      <p:ext uri="{BB962C8B-B14F-4D97-AF65-F5344CB8AC3E}">
+        <p14:creationId xmlns:p14="http://schemas.microsoft.com/office/powerpoint/2010/main" val="400641738"/>
+      </p:ext>
+    </p:extLst>
+  </p:cSld>
+  <p:clrMapOvr>
+    <a:masterClrMapping/>
+  </p:clrMapOvr>
+</p:sld>
+</file>
+
+<file path=ppt/slides/slide20.xml><?xml version="1.0" encoding="utf-8"?>
 <p:sld xmlns:a="http://schemas.openxmlformats.org/drawingml/2006/main" xmlns:r="http://schemas.openxmlformats.org/officeDocument/2006/relationships" xmlns:p="http://schemas.openxmlformats.org/presentationml/2006/main">
   <p:cSld>
     <p:spTree>
@@ -28576,117 +28859,7 @@
 </p:sld>
 </file>
 
-<file path=ppt/slides/slide2.xml><?xml version="1.0" encoding="utf-8"?>
-<p:sld xmlns:a="http://schemas.openxmlformats.org/drawingml/2006/main" xmlns:r="http://schemas.openxmlformats.org/officeDocument/2006/relationships" xmlns:p="http://schemas.openxmlformats.org/presentationml/2006/main">
-  <p:cSld>
-    <p:spTree>
-      <p:nvGrpSpPr>
-        <p:cNvPr id="1" name=""/>
-        <p:cNvGrpSpPr/>
-        <p:nvPr/>
-      </p:nvGrpSpPr>
-      <p:grpSpPr>
-        <a:xfrm>
-          <a:off x="0" y="0"/>
-          <a:ext cx="0" cy="0"/>
-          <a:chOff x="0" y="0"/>
-          <a:chExt cx="0" cy="0"/>
-        </a:xfrm>
-      </p:grpSpPr>
-      <p:sp>
-        <p:nvSpPr>
-          <p:cNvPr id="2" name="Title 1">
-            <a:extLst>
-              <a:ext uri="{FF2B5EF4-FFF2-40B4-BE49-F238E27FC236}">
-                <a16:creationId xmlns:a16="http://schemas.microsoft.com/office/drawing/2014/main" id="{10D330C2-52A4-1ABA-980B-56FBC97F350C}"/>
-              </a:ext>
-            </a:extLst>
-          </p:cNvPr>
-          <p:cNvSpPr>
-            <a:spLocks noGrp="1"/>
-          </p:cNvSpPr>
-          <p:nvPr>
-            <p:ph type="title"/>
-          </p:nvPr>
-        </p:nvSpPr>
-        <p:spPr/>
-        <p:txBody>
-          <a:bodyPr/>
-          <a:lstStyle/>
-          <a:p>
-            <a:r>
-              <a:rPr lang="en-US" dirty="0"/>
-              <a:t>Reminder!</a:t>
-            </a:r>
-          </a:p>
-        </p:txBody>
-      </p:sp>
-      <p:sp>
-        <p:nvSpPr>
-          <p:cNvPr id="3" name="Content Placeholder 2">
-            <a:extLst>
-              <a:ext uri="{FF2B5EF4-FFF2-40B4-BE49-F238E27FC236}">
-                <a16:creationId xmlns:a16="http://schemas.microsoft.com/office/drawing/2014/main" id="{9EAE50F6-429C-715A-C25C-1C7744AED1CF}"/>
-              </a:ext>
-            </a:extLst>
-          </p:cNvPr>
-          <p:cNvSpPr>
-            <a:spLocks noGrp="1"/>
-          </p:cNvSpPr>
-          <p:nvPr>
-            <p:ph idx="1"/>
-          </p:nvPr>
-        </p:nvSpPr>
-        <p:spPr/>
-        <p:txBody>
-          <a:bodyPr>
-            <a:normAutofit/>
-          </a:bodyPr>
-          <a:lstStyle/>
-          <a:p>
-            <a:r>
-              <a:rPr lang="en-US" sz="2400" dirty="0"/>
-              <a:t>First quiz is out today! (On PLATO)</a:t>
-            </a:r>
-          </a:p>
-          <a:p>
-            <a:r>
-              <a:rPr lang="en-US" sz="2400" dirty="0"/>
-              <a:t>Quizzes and </a:t>
-            </a:r>
-            <a:r>
-              <a:rPr lang="en-US" sz="2400" dirty="0" err="1"/>
-              <a:t>homeworks</a:t>
-            </a:r>
-            <a:r>
-              <a:rPr lang="en-US" sz="2400" dirty="0"/>
-              <a:t> are </a:t>
-            </a:r>
-            <a:r>
-              <a:rPr lang="en-US" sz="2400" i="1" dirty="0"/>
-              <a:t>week long </a:t>
-            </a:r>
-            <a:r>
-              <a:rPr lang="en-US" sz="2400" dirty="0"/>
-              <a:t>assignments; expect to spend 5-7 hours on them (this is standard for a college class) </a:t>
-            </a:r>
-          </a:p>
-        </p:txBody>
-      </p:sp>
-    </p:spTree>
-    <p:extLst>
-      <p:ext uri="{BB962C8B-B14F-4D97-AF65-F5344CB8AC3E}">
-        <p14:creationId xmlns:p14="http://schemas.microsoft.com/office/powerpoint/2010/main" val="400641738"/>
-      </p:ext>
-    </p:extLst>
-  </p:cSld>
-  <p:clrMapOvr>
-    <a:masterClrMapping/>
-  </p:clrMapOvr>
-</p:sld>
-</file>
-
-<file path=ppt/slides/slide20.xml><?xml version="1.0" encoding="utf-8"?>
+<file path=ppt/slides/slide21.xml><?xml version="1.0" encoding="utf-8"?>
 <p:sld xmlns:a="http://schemas.openxmlformats.org/drawingml/2006/main" xmlns:r="http://schemas.openxmlformats.org/officeDocument/2006/relationships" xmlns:p="http://schemas.openxmlformats.org/presentationml/2006/main">
   <p:cSld>
     <p:spTree>
@@ -29447,7 +29620,7 @@
 </p:sld>
 </file>
 
-<file path=ppt/slides/slide21.xml><?xml version="1.0" encoding="utf-8"?>
+<file path=ppt/slides/slide22.xml><?xml version="1.0" encoding="utf-8"?>
 <p:sld xmlns:a="http://schemas.openxmlformats.org/drawingml/2006/main" xmlns:r="http://schemas.openxmlformats.org/officeDocument/2006/relationships" xmlns:p="http://schemas.openxmlformats.org/presentationml/2006/main">
   <p:cSld>
     <p:spTree>
@@ -30238,7 +30411,7 @@
 </p:sld>
 </file>
 
-<file path=ppt/slides/slide22.xml><?xml version="1.0" encoding="utf-8"?>
+<file path=ppt/slides/slide23.xml><?xml version="1.0" encoding="utf-8"?>
 <p:sld xmlns:a="http://schemas.openxmlformats.org/drawingml/2006/main" xmlns:r="http://schemas.openxmlformats.org/officeDocument/2006/relationships" xmlns:p="http://schemas.openxmlformats.org/presentationml/2006/main">
   <p:cSld>
     <p:spTree>
@@ -31257,7 +31430,7 @@
 </p:sld>
 </file>
 
-<file path=ppt/slides/slide23.xml><?xml version="1.0" encoding="utf-8"?>
+<file path=ppt/slides/slide24.xml><?xml version="1.0" encoding="utf-8"?>
 <p:sld xmlns:a="http://schemas.openxmlformats.org/drawingml/2006/main" xmlns:r="http://schemas.openxmlformats.org/officeDocument/2006/relationships" xmlns:p="http://schemas.openxmlformats.org/presentationml/2006/main">
   <p:cSld>
     <p:spTree>
@@ -32744,7 +32917,7 @@
 </p:sld>
 </file>
 
-<file path=ppt/slides/slide24.xml><?xml version="1.0" encoding="utf-8"?>
+<file path=ppt/slides/slide25.xml><?xml version="1.0" encoding="utf-8"?>
 <p:sld xmlns:a="http://schemas.openxmlformats.org/drawingml/2006/main" xmlns:r="http://schemas.openxmlformats.org/officeDocument/2006/relationships" xmlns:p="http://schemas.openxmlformats.org/presentationml/2006/main">
   <p:cSld>
     <p:spTree>
@@ -33233,7 +33406,7 @@
 </p:sld>
 </file>
 
-<file path=ppt/slides/slide25.xml><?xml version="1.0" encoding="utf-8"?>
+<file path=ppt/slides/slide26.xml><?xml version="1.0" encoding="utf-8"?>
 <p:sld xmlns:a="http://schemas.openxmlformats.org/drawingml/2006/main" xmlns:r="http://schemas.openxmlformats.org/officeDocument/2006/relationships" xmlns:p="http://schemas.openxmlformats.org/presentationml/2006/main">
   <p:cSld>
     <p:spTree>
@@ -34190,7 +34363,7 @@
 </p:sld>
 </file>
 
-<file path=ppt/slides/slide26.xml><?xml version="1.0" encoding="utf-8"?>
+<file path=ppt/slides/slide27.xml><?xml version="1.0" encoding="utf-8"?>
 <p:sld xmlns:a="http://schemas.openxmlformats.org/drawingml/2006/main" xmlns:r="http://schemas.openxmlformats.org/officeDocument/2006/relationships" xmlns:p="http://schemas.openxmlformats.org/presentationml/2006/main">
   <p:cSld>
     <p:spTree>
@@ -34273,7 +34446,7 @@
 </p:sld>
 </file>
 
-<file path=ppt/slides/slide27.xml><?xml version="1.0" encoding="utf-8"?>
+<file path=ppt/slides/slide28.xml><?xml version="1.0" encoding="utf-8"?>
 <p:sld xmlns:a="http://schemas.openxmlformats.org/drawingml/2006/main" xmlns:r="http://schemas.openxmlformats.org/officeDocument/2006/relationships" xmlns:p="http://schemas.openxmlformats.org/presentationml/2006/main">
   <p:cSld>
     <p:spTree>
@@ -35142,7 +35315,7 @@
 </p:sld>
 </file>
 
-<file path=ppt/slides/slide28.xml><?xml version="1.0" encoding="utf-8"?>
+<file path=ppt/slides/slide29.xml><?xml version="1.0" encoding="utf-8"?>
 <p:sld xmlns:a="http://schemas.openxmlformats.org/drawingml/2006/main" xmlns:r="http://schemas.openxmlformats.org/officeDocument/2006/relationships" xmlns:p="http://schemas.openxmlformats.org/presentationml/2006/main">
   <p:cSld>
     <p:spTree>
@@ -36479,7 +36652,118 @@
 </p:sld>
 </file>
 
-<file path=ppt/slides/slide29.xml><?xml version="1.0" encoding="utf-8"?>
+<file path=ppt/slides/slide3.xml><?xml version="1.0" encoding="utf-8"?>
+<p:sld xmlns:a="http://schemas.openxmlformats.org/drawingml/2006/main" xmlns:r="http://schemas.openxmlformats.org/officeDocument/2006/relationships" xmlns:p="http://schemas.openxmlformats.org/presentationml/2006/main">
+  <p:cSld>
+    <p:spTree>
+      <p:nvGrpSpPr>
+        <p:cNvPr id="1" name=""/>
+        <p:cNvGrpSpPr/>
+        <p:nvPr/>
+      </p:nvGrpSpPr>
+      <p:grpSpPr>
+        <a:xfrm>
+          <a:off x="0" y="0"/>
+          <a:ext cx="0" cy="0"/>
+          <a:chOff x="0" y="0"/>
+          <a:chExt cx="0" cy="0"/>
+        </a:xfrm>
+      </p:grpSpPr>
+      <p:sp>
+        <p:nvSpPr>
+          <p:cNvPr id="2" name="Title 1">
+            <a:extLst>
+              <a:ext uri="{FF2B5EF4-FFF2-40B4-BE49-F238E27FC236}">
+                <a16:creationId xmlns:a16="http://schemas.microsoft.com/office/drawing/2014/main" id="{10D330C2-52A4-1ABA-980B-56FBC97F350C}"/>
+              </a:ext>
+            </a:extLst>
+          </p:cNvPr>
+          <p:cNvSpPr>
+            <a:spLocks noGrp="1"/>
+          </p:cNvSpPr>
+          <p:nvPr>
+            <p:ph type="title"/>
+          </p:nvPr>
+        </p:nvSpPr>
+        <p:spPr/>
+        <p:txBody>
+          <a:bodyPr/>
+          <a:lstStyle/>
+          <a:p>
+            <a:r>
+              <a:rPr lang="en-US" dirty="0"/>
+              <a:t>Plan for Today</a:t>
+            </a:r>
+          </a:p>
+        </p:txBody>
+      </p:sp>
+      <p:sp>
+        <p:nvSpPr>
+          <p:cNvPr id="3" name="Content Placeholder 2">
+            <a:extLst>
+              <a:ext uri="{FF2B5EF4-FFF2-40B4-BE49-F238E27FC236}">
+                <a16:creationId xmlns:a16="http://schemas.microsoft.com/office/drawing/2014/main" id="{9EAE50F6-429C-715A-C25C-1C7744AED1CF}"/>
+              </a:ext>
+            </a:extLst>
+          </p:cNvPr>
+          <p:cNvSpPr>
+            <a:spLocks noGrp="1"/>
+          </p:cNvSpPr>
+          <p:nvPr>
+            <p:ph idx="1"/>
+          </p:nvPr>
+        </p:nvSpPr>
+        <p:spPr/>
+        <p:txBody>
+          <a:bodyPr/>
+          <a:lstStyle/>
+          <a:p>
+            <a:r>
+              <a:rPr lang="en-US" dirty="0"/>
+              <a:t>EDA for Two Variables</a:t>
+            </a:r>
+          </a:p>
+          <a:p>
+            <a:pPr lvl="1"/>
+            <a:r>
+              <a:rPr lang="en-US" dirty="0"/>
+              <a:t>Categorical &amp; Categorical</a:t>
+            </a:r>
+          </a:p>
+          <a:p>
+            <a:pPr lvl="1"/>
+            <a:r>
+              <a:rPr lang="en-US" dirty="0"/>
+              <a:t>Categorical and Numeric</a:t>
+            </a:r>
+          </a:p>
+          <a:p>
+            <a:pPr lvl="1"/>
+            <a:r>
+              <a:rPr lang="en-US"/>
+              <a:t>Numeric and </a:t>
+            </a:r>
+            <a:r>
+              <a:rPr lang="en-US" dirty="0"/>
+              <a:t>Numeric </a:t>
+            </a:r>
+          </a:p>
+        </p:txBody>
+      </p:sp>
+    </p:spTree>
+    <p:extLst>
+      <p:ext uri="{BB962C8B-B14F-4D97-AF65-F5344CB8AC3E}">
+        <p14:creationId xmlns:p14="http://schemas.microsoft.com/office/powerpoint/2010/main" val="1085546165"/>
+      </p:ext>
+    </p:extLst>
+  </p:cSld>
+  <p:clrMapOvr>
+    <a:masterClrMapping/>
+  </p:clrMapOvr>
+</p:sld>
+</file>
+
+<file path=ppt/slides/slide30.xml><?xml version="1.0" encoding="utf-8"?>
 <p:sld xmlns:a="http://schemas.openxmlformats.org/drawingml/2006/main" xmlns:r="http://schemas.openxmlformats.org/officeDocument/2006/relationships" xmlns:p="http://schemas.openxmlformats.org/presentationml/2006/main">
   <p:cSld>
     <p:spTree>
@@ -37363,118 +37647,7 @@
 </p:sld>
 </file>
 
-<file path=ppt/slides/slide3.xml><?xml version="1.0" encoding="utf-8"?>
-<p:sld xmlns:a="http://schemas.openxmlformats.org/drawingml/2006/main" xmlns:r="http://schemas.openxmlformats.org/officeDocument/2006/relationships" xmlns:p="http://schemas.openxmlformats.org/presentationml/2006/main">
-  <p:cSld>
-    <p:spTree>
-      <p:nvGrpSpPr>
-        <p:cNvPr id="1" name=""/>
-        <p:cNvGrpSpPr/>
-        <p:nvPr/>
-      </p:nvGrpSpPr>
-      <p:grpSpPr>
-        <a:xfrm>
-          <a:off x="0" y="0"/>
-          <a:ext cx="0" cy="0"/>
-          <a:chOff x="0" y="0"/>
-          <a:chExt cx="0" cy="0"/>
-        </a:xfrm>
-      </p:grpSpPr>
-      <p:sp>
-        <p:nvSpPr>
-          <p:cNvPr id="2" name="Title 1">
-            <a:extLst>
-              <a:ext uri="{FF2B5EF4-FFF2-40B4-BE49-F238E27FC236}">
-                <a16:creationId xmlns:a16="http://schemas.microsoft.com/office/drawing/2014/main" id="{10D330C2-52A4-1ABA-980B-56FBC97F350C}"/>
-              </a:ext>
-            </a:extLst>
-          </p:cNvPr>
-          <p:cNvSpPr>
-            <a:spLocks noGrp="1"/>
-          </p:cNvSpPr>
-          <p:nvPr>
-            <p:ph type="title"/>
-          </p:nvPr>
-        </p:nvSpPr>
-        <p:spPr/>
-        <p:txBody>
-          <a:bodyPr/>
-          <a:lstStyle/>
-          <a:p>
-            <a:r>
-              <a:rPr lang="en-US" dirty="0"/>
-              <a:t>Plan for Today</a:t>
-            </a:r>
-          </a:p>
-        </p:txBody>
-      </p:sp>
-      <p:sp>
-        <p:nvSpPr>
-          <p:cNvPr id="3" name="Content Placeholder 2">
-            <a:extLst>
-              <a:ext uri="{FF2B5EF4-FFF2-40B4-BE49-F238E27FC236}">
-                <a16:creationId xmlns:a16="http://schemas.microsoft.com/office/drawing/2014/main" id="{9EAE50F6-429C-715A-C25C-1C7744AED1CF}"/>
-              </a:ext>
-            </a:extLst>
-          </p:cNvPr>
-          <p:cNvSpPr>
-            <a:spLocks noGrp="1"/>
-          </p:cNvSpPr>
-          <p:nvPr>
-            <p:ph idx="1"/>
-          </p:nvPr>
-        </p:nvSpPr>
-        <p:spPr/>
-        <p:txBody>
-          <a:bodyPr/>
-          <a:lstStyle/>
-          <a:p>
-            <a:r>
-              <a:rPr lang="en-US" dirty="0"/>
-              <a:t>EDA for Two Variables</a:t>
-            </a:r>
-          </a:p>
-          <a:p>
-            <a:pPr lvl="1"/>
-            <a:r>
-              <a:rPr lang="en-US" dirty="0"/>
-              <a:t>Categorical &amp; Categorical</a:t>
-            </a:r>
-          </a:p>
-          <a:p>
-            <a:pPr lvl="1"/>
-            <a:r>
-              <a:rPr lang="en-US" dirty="0"/>
-              <a:t>Categorical and Numeric</a:t>
-            </a:r>
-          </a:p>
-          <a:p>
-            <a:pPr lvl="1"/>
-            <a:r>
-              <a:rPr lang="en-US"/>
-              <a:t>Numeric and </a:t>
-            </a:r>
-            <a:r>
-              <a:rPr lang="en-US" dirty="0"/>
-              <a:t>Numeric </a:t>
-            </a:r>
-          </a:p>
-        </p:txBody>
-      </p:sp>
-    </p:spTree>
-    <p:extLst>
-      <p:ext uri="{BB962C8B-B14F-4D97-AF65-F5344CB8AC3E}">
-        <p14:creationId xmlns:p14="http://schemas.microsoft.com/office/powerpoint/2010/main" val="1085546165"/>
-      </p:ext>
-    </p:extLst>
-  </p:cSld>
-  <p:clrMapOvr>
-    <a:masterClrMapping/>
-  </p:clrMapOvr>
-</p:sld>
-</file>
-
-<file path=ppt/slides/slide30.xml><?xml version="1.0" encoding="utf-8"?>
+<file path=ppt/slides/slide31.xml><?xml version="1.0" encoding="utf-8"?>
 <p:sld xmlns:a="http://schemas.openxmlformats.org/drawingml/2006/main" xmlns:r="http://schemas.openxmlformats.org/officeDocument/2006/relationships" xmlns:p="http://schemas.openxmlformats.org/presentationml/2006/main">
   <p:cSld>
     <p:spTree>
@@ -38557,7 +38730,7 @@
 </p:sld>
 </file>
 
-<file path=ppt/slides/slide31.xml><?xml version="1.0" encoding="utf-8"?>
+<file path=ppt/slides/slide32.xml><?xml version="1.0" encoding="utf-8"?>
 <p:sld xmlns:a="http://schemas.openxmlformats.org/drawingml/2006/main" xmlns:r="http://schemas.openxmlformats.org/officeDocument/2006/relationships" xmlns:p="http://schemas.openxmlformats.org/presentationml/2006/main">
   <p:cSld>
     <p:spTree>
@@ -39861,7 +40034,7 @@
 </p:sld>
 </file>
 
-<file path=ppt/slides/slide32.xml><?xml version="1.0" encoding="utf-8"?>
+<file path=ppt/slides/slide33.xml><?xml version="1.0" encoding="utf-8"?>
 <p:sld xmlns:a="http://schemas.openxmlformats.org/drawingml/2006/main" xmlns:r="http://schemas.openxmlformats.org/officeDocument/2006/relationships" xmlns:p="http://schemas.openxmlformats.org/presentationml/2006/main">
   <p:cSld>
     <p:spTree>
@@ -41658,6 +41831,332 @@
 </p:sld>
 </file>
 
+<file path=ppt/slides/slide34.xml><?xml version="1.0" encoding="utf-8"?>
+<p:sld xmlns:a="http://schemas.openxmlformats.org/drawingml/2006/main" xmlns:r="http://schemas.openxmlformats.org/officeDocument/2006/relationships" xmlns:p="http://schemas.openxmlformats.org/presentationml/2006/main">
+  <p:cSld>
+    <p:spTree>
+      <p:nvGrpSpPr>
+        <p:cNvPr id="1" name=""/>
+        <p:cNvGrpSpPr/>
+        <p:nvPr/>
+      </p:nvGrpSpPr>
+      <p:grpSpPr>
+        <a:xfrm>
+          <a:off x="0" y="0"/>
+          <a:ext cx="0" cy="0"/>
+          <a:chOff x="0" y="0"/>
+          <a:chExt cx="0" cy="0"/>
+        </a:xfrm>
+      </p:grpSpPr>
+      <p:sp>
+        <p:nvSpPr>
+          <p:cNvPr id="2" name="Title 1">
+            <a:extLst>
+              <a:ext uri="{FF2B5EF4-FFF2-40B4-BE49-F238E27FC236}">
+                <a16:creationId xmlns:a16="http://schemas.microsoft.com/office/drawing/2014/main" id="{10D330C2-52A4-1ABA-980B-56FBC97F350C}"/>
+              </a:ext>
+            </a:extLst>
+          </p:cNvPr>
+          <p:cNvSpPr>
+            <a:spLocks noGrp="1"/>
+          </p:cNvSpPr>
+          <p:nvPr>
+            <p:ph type="title"/>
+          </p:nvPr>
+        </p:nvSpPr>
+        <p:spPr/>
+        <p:txBody>
+          <a:bodyPr/>
+          <a:lstStyle/>
+          <a:p>
+            <a:r>
+              <a:rPr lang="en-US" dirty="0"/>
+              <a:t>20-30 Minute Activity: EDA Practice </a:t>
+            </a:r>
+          </a:p>
+        </p:txBody>
+      </p:sp>
+      <p:sp>
+        <p:nvSpPr>
+          <p:cNvPr id="5" name="object 3">
+            <a:extLst>
+              <a:ext uri="{FF2B5EF4-FFF2-40B4-BE49-F238E27FC236}">
+                <a16:creationId xmlns:a16="http://schemas.microsoft.com/office/drawing/2014/main" id="{0089D0F5-4239-BBB8-17A4-BF86F9558B55}"/>
+              </a:ext>
+            </a:extLst>
+          </p:cNvPr>
+          <p:cNvSpPr txBox="1"/>
+          <p:nvPr/>
+        </p:nvSpPr>
+        <p:spPr>
+          <a:xfrm>
+            <a:off x="3528867" y="574495"/>
+            <a:ext cx="8302917" cy="5993691"/>
+          </a:xfrm>
+          <a:prstGeom prst="rect">
+            <a:avLst/>
+          </a:prstGeom>
+        </p:spPr>
+        <p:txBody>
+          <a:bodyPr vert="horz" wrap="square" lIns="0" tIns="13842" rIns="0" bIns="0" rtlCol="0">
+            <a:spAutoFit/>
+          </a:bodyPr>
+          <a:lstStyle/>
+          <a:p>
+            <a:pPr marL="25168" marR="10067">
+              <a:lnSpc>
+                <a:spcPct val="102600"/>
+              </a:lnSpc>
+              <a:spcBef>
+                <a:spcPts val="109"/>
+              </a:spcBef>
+            </a:pPr>
+            <a:r>
+              <a:rPr lang="en-US" sz="2180" spc="-109" dirty="0">
+                <a:latin typeface="Arial"/>
+                <a:cs typeface="Arial"/>
+              </a:rPr>
+              <a:t>Open </a:t>
+            </a:r>
+            <a:r>
+              <a:rPr lang="en-US" sz="2180" spc="-109" dirty="0" err="1">
+                <a:latin typeface="Arial"/>
+                <a:cs typeface="Arial"/>
+              </a:rPr>
+              <a:t>movies.csv</a:t>
+            </a:r>
+            <a:r>
+              <a:rPr lang="en-US" sz="2180" spc="-109" dirty="0">
+                <a:latin typeface="Arial"/>
+                <a:cs typeface="Arial"/>
+              </a:rPr>
+              <a:t> (under Demos on the course website) in excel or google sheets.</a:t>
+            </a:r>
+          </a:p>
+          <a:p>
+            <a:pPr marL="25168" marR="10067">
+              <a:lnSpc>
+                <a:spcPct val="102600"/>
+              </a:lnSpc>
+              <a:spcBef>
+                <a:spcPts val="109"/>
+              </a:spcBef>
+            </a:pPr>
+            <a:endParaRPr lang="en-US" sz="2180" spc="-109" dirty="0">
+              <a:latin typeface="Arial"/>
+              <a:cs typeface="Arial"/>
+            </a:endParaRPr>
+          </a:p>
+          <a:p>
+            <a:pPr marL="25168" marR="10067">
+              <a:lnSpc>
+                <a:spcPct val="102600"/>
+              </a:lnSpc>
+              <a:spcBef>
+                <a:spcPts val="109"/>
+              </a:spcBef>
+            </a:pPr>
+            <a:r>
+              <a:rPr lang="en-US" sz="2180" spc="-109" dirty="0">
+                <a:latin typeface="Arial"/>
+                <a:cs typeface="Arial"/>
+              </a:rPr>
+              <a:t>For (a) two categorical, (b) a categorical and numerical, and (c) two numerical variables, generate the appropriate summary visualizations and summary statistics.</a:t>
+            </a:r>
+          </a:p>
+          <a:p>
+            <a:pPr marL="25168" marR="10067">
+              <a:lnSpc>
+                <a:spcPct val="102600"/>
+              </a:lnSpc>
+              <a:spcBef>
+                <a:spcPts val="109"/>
+              </a:spcBef>
+            </a:pPr>
+            <a:endParaRPr lang="en-US" sz="2180" spc="-109" dirty="0">
+              <a:latin typeface="Arial"/>
+              <a:cs typeface="Arial"/>
+            </a:endParaRPr>
+          </a:p>
+          <a:p>
+            <a:pPr marL="25168" marR="10067">
+              <a:lnSpc>
+                <a:spcPct val="102600"/>
+              </a:lnSpc>
+              <a:spcBef>
+                <a:spcPts val="109"/>
+              </a:spcBef>
+            </a:pPr>
+            <a:r>
+              <a:rPr lang="en-US" sz="2180" spc="-109" dirty="0">
+                <a:latin typeface="Arial"/>
+                <a:cs typeface="Arial"/>
+              </a:rPr>
+              <a:t>You in some cases, you will need to manipulate the raw data and use formulas. Helpful tips can be found here: </a:t>
+            </a:r>
+          </a:p>
+          <a:p>
+            <a:pPr marL="368068" marR="10067" indent="-342900">
+              <a:lnSpc>
+                <a:spcPct val="102600"/>
+              </a:lnSpc>
+              <a:spcBef>
+                <a:spcPts val="109"/>
+              </a:spcBef>
+              <a:buFont typeface="Arial" panose="020B0604020202020204" pitchFamily="34" charset="0"/>
+              <a:buChar char="•"/>
+            </a:pPr>
+            <a:r>
+              <a:rPr lang="en-US" sz="2180" spc="-109" dirty="0">
+                <a:latin typeface="Arial"/>
+                <a:cs typeface="Arial"/>
+              </a:rPr>
+              <a:t>Excel</a:t>
+            </a:r>
+          </a:p>
+          <a:p>
+            <a:pPr marL="825268" marR="10067" lvl="1" indent="-342900">
+              <a:lnSpc>
+                <a:spcPct val="102600"/>
+              </a:lnSpc>
+              <a:spcBef>
+                <a:spcPts val="109"/>
+              </a:spcBef>
+              <a:buFont typeface="Arial" panose="020B0604020202020204" pitchFamily="34" charset="0"/>
+              <a:buChar char="•"/>
+            </a:pPr>
+            <a:r>
+              <a:rPr lang="en-US" sz="2180" dirty="0">
+                <a:latin typeface="Arial"/>
+                <a:cs typeface="Arial"/>
+                <a:hlinkClick r:id="rId3"/>
+              </a:rPr>
+              <a:t>https://www.princeton.edu/~otorres/Excel/excelstata.htm</a:t>
+            </a:r>
+            <a:r>
+              <a:rPr lang="en-US" sz="2180" spc="-109" dirty="0">
+                <a:latin typeface="Arial"/>
+                <a:cs typeface="Arial"/>
+              </a:rPr>
+              <a:t> </a:t>
+            </a:r>
+          </a:p>
+          <a:p>
+            <a:pPr marL="825268" marR="10067" lvl="1" indent="-342900">
+              <a:lnSpc>
+                <a:spcPct val="102600"/>
+              </a:lnSpc>
+              <a:spcBef>
+                <a:spcPts val="109"/>
+              </a:spcBef>
+              <a:buFont typeface="Arial" panose="020B0604020202020204" pitchFamily="34" charset="0"/>
+              <a:buChar char="•"/>
+            </a:pPr>
+            <a:r>
+              <a:rPr lang="en-US" sz="2180" dirty="0">
+                <a:latin typeface="Arial"/>
+                <a:cs typeface="Arial"/>
+                <a:hlinkClick r:id="rId4"/>
+              </a:rPr>
+              <a:t>https://statisticsbyjim.com/basics/descriptive-statistics-excel/</a:t>
+            </a:r>
+            <a:endParaRPr lang="en-US" sz="2180" spc="-109" dirty="0">
+              <a:latin typeface="Arial"/>
+              <a:cs typeface="Arial"/>
+            </a:endParaRPr>
+          </a:p>
+          <a:p>
+            <a:pPr marL="368068" marR="10067" indent="-342900">
+              <a:lnSpc>
+                <a:spcPct val="102600"/>
+              </a:lnSpc>
+              <a:spcBef>
+                <a:spcPts val="109"/>
+              </a:spcBef>
+              <a:buFont typeface="Arial" panose="020B0604020202020204" pitchFamily="34" charset="0"/>
+              <a:buChar char="•"/>
+            </a:pPr>
+            <a:r>
+              <a:rPr lang="en-US" sz="2180" spc="-109" dirty="0">
+                <a:latin typeface="Arial"/>
+                <a:cs typeface="Arial"/>
+              </a:rPr>
+              <a:t>Google Sheets</a:t>
+            </a:r>
+          </a:p>
+          <a:p>
+            <a:pPr marL="825268" marR="10067" lvl="1" indent="-342900">
+              <a:lnSpc>
+                <a:spcPct val="102600"/>
+              </a:lnSpc>
+              <a:spcBef>
+                <a:spcPts val="109"/>
+              </a:spcBef>
+              <a:buFont typeface="Arial" panose="020B0604020202020204" pitchFamily="34" charset="0"/>
+              <a:buChar char="•"/>
+            </a:pPr>
+            <a:r>
+              <a:rPr lang="en-US" sz="2180" dirty="0">
+                <a:latin typeface="Arial"/>
+                <a:cs typeface="Arial"/>
+                <a:hlinkClick r:id="rId5"/>
+              </a:rPr>
+              <a:t>http://www.comfsm.fm/~dleeling/statistics/text6.html#page-031</a:t>
+            </a:r>
+            <a:r>
+              <a:rPr lang="en-US" sz="2180" dirty="0">
+                <a:latin typeface="Arial"/>
+                <a:cs typeface="Arial"/>
+              </a:rPr>
+              <a:t> </a:t>
+            </a:r>
+          </a:p>
+          <a:p>
+            <a:pPr marL="825268" marR="10067" lvl="1" indent="-342900">
+              <a:lnSpc>
+                <a:spcPct val="102600"/>
+              </a:lnSpc>
+              <a:spcBef>
+                <a:spcPts val="109"/>
+              </a:spcBef>
+              <a:buFont typeface="Arial" panose="020B0604020202020204" pitchFamily="34" charset="0"/>
+              <a:buChar char="•"/>
+            </a:pPr>
+            <a:r>
+              <a:rPr lang="en-US" sz="2180" dirty="0">
+                <a:latin typeface="Arial"/>
+                <a:cs typeface="Arial"/>
+                <a:hlinkClick r:id="rId6"/>
+              </a:rPr>
+              <a:t>https://www.groovypost.com/howto/quickly-get-column-statistics-in-google-sheets/</a:t>
+            </a:r>
+            <a:r>
+              <a:rPr lang="en-US" sz="2180" dirty="0">
+                <a:latin typeface="Arial"/>
+                <a:cs typeface="Arial"/>
+              </a:rPr>
+              <a:t> </a:t>
+            </a:r>
+            <a:endParaRPr sz="2180" dirty="0">
+              <a:latin typeface="Arial"/>
+              <a:cs typeface="Arial"/>
+            </a:endParaRPr>
+          </a:p>
+        </p:txBody>
+      </p:sp>
+    </p:spTree>
+    <p:extLst>
+      <p:ext uri="{BB962C8B-B14F-4D97-AF65-F5344CB8AC3E}">
+        <p14:creationId xmlns:p14="http://schemas.microsoft.com/office/powerpoint/2010/main" val="3418994993"/>
+      </p:ext>
+    </p:extLst>
+  </p:cSld>
+  <p:clrMapOvr>
+    <a:masterClrMapping/>
+  </p:clrMapOvr>
+</p:sld>
+</file>
+
 <file path=ppt/slides/slide4.xml><?xml version="1.0" encoding="utf-8"?>
 <p:sld xmlns:a="http://schemas.openxmlformats.org/drawingml/2006/main" xmlns:r="http://schemas.openxmlformats.org/officeDocument/2006/relationships" xmlns:p="http://schemas.openxmlformats.org/presentationml/2006/main">
   <p:cSld>
